--- a/Funability_2016_10_4/Funability.pptx
+++ b/Funability_2016_10_4/Funability.pptx
@@ -42,10 +42,10 @@
     <p:sldId id="282" r:id="rId33"/>
     <p:sldId id="307" r:id="rId34"/>
     <p:sldId id="273" r:id="rId35"/>
-    <p:sldId id="308" r:id="rId36"/>
-    <p:sldId id="284" r:id="rId37"/>
-    <p:sldId id="286" r:id="rId38"/>
-    <p:sldId id="272" r:id="rId39"/>
+    <p:sldId id="272" r:id="rId36"/>
+    <p:sldId id="308" r:id="rId37"/>
+    <p:sldId id="284" r:id="rId38"/>
+    <p:sldId id="286" r:id="rId39"/>
     <p:sldId id="278" r:id="rId40"/>
     <p:sldId id="279" r:id="rId41"/>
   </p:sldIdLst>
@@ -5397,7 +5397,7 @@
           <a:p>
             <a:r>
               <a:rPr lang="en-US" sz="5400" dirty="0"/>
-              <a:t>User a Layered Process Towards Quality</a:t>
+              <a:t>Use a Layered Process Towards Quality</a:t>
             </a:r>
           </a:p>
         </p:txBody>
@@ -8166,7 +8166,7 @@
       </p:grpSpPr>
       <p:sp>
         <p:nvSpPr>
-          <p:cNvPr id="2" name="Title 1"/>
+          <p:cNvPr id="7" name="Title 6"/>
           <p:cNvSpPr>
             <a:spLocks noGrp="1"/>
           </p:cNvSpPr>
@@ -8179,22 +8179,21 @@
           <a:bodyPr/>
           <a:lstStyle/>
           <a:p>
-            <a:pPr algn="ctr"/>
-            <a:r>
-              <a:rPr lang="en-US" dirty="0"/>
-              <a:t>User a Layered Process Towards Quality</a:t>
-            </a:r>
-          </a:p>
-        </p:txBody>
-      </p:sp>
-      <p:sp>
-        <p:nvSpPr>
-          <p:cNvPr id="3" name="Text Placeholder 2"/>
-          <p:cNvSpPr>
-            <a:spLocks noGrp="1"/>
-          </p:cNvSpPr>
-          <p:nvPr>
-            <p:ph type="body" idx="1"/>
+            <a:r>
+              <a:rPr lang="en-US" dirty="0"/>
+              <a:t>Require ability to do integration tests on the desktop</a:t>
+            </a:r>
+          </a:p>
+        </p:txBody>
+      </p:sp>
+      <p:sp>
+        <p:nvSpPr>
+          <p:cNvPr id="8" name="Content Placeholder 7"/>
+          <p:cNvSpPr>
+            <a:spLocks noGrp="1"/>
+          </p:cNvSpPr>
+          <p:nvPr>
+            <p:ph idx="1"/>
           </p:nvPr>
         </p:nvSpPr>
         <p:spPr/>
@@ -8202,14 +8201,51 @@
           <a:bodyPr/>
           <a:lstStyle/>
           <a:p>
-            <a:endParaRPr lang="en-US"/>
+            <a:r>
+              <a:rPr lang="en-US" dirty="0"/>
+              <a:t>Enables a developer to build and run end-to-end tests and validation on their own machines</a:t>
+            </a:r>
+          </a:p>
+          <a:p>
+            <a:pPr lvl="1"/>
+            <a:r>
+              <a:rPr lang="en-US" dirty="0"/>
+              <a:t>Includes hosting of databases locally</a:t>
+            </a:r>
+          </a:p>
+          <a:p>
+            <a:pPr lvl="1"/>
+            <a:r>
+              <a:rPr lang="en-US" dirty="0"/>
+              <a:t>Avoids collisions with other developers</a:t>
+            </a:r>
+          </a:p>
+          <a:p>
+            <a:pPr lvl="1"/>
+            <a:r>
+              <a:rPr lang="en-US" dirty="0"/>
+              <a:t>Enables development in isolation</a:t>
+            </a:r>
+          </a:p>
+          <a:p>
+            <a:r>
+              <a:rPr lang="en-US" dirty="0"/>
+              <a:t>Ability to do this must be a conscious design all along the way</a:t>
+            </a:r>
+          </a:p>
+          <a:p>
+            <a:pPr lvl="1"/>
+            <a:r>
+              <a:rPr lang="en-US" dirty="0"/>
+              <a:t>Your system design choices can enable or prevent this</a:t>
+            </a:r>
           </a:p>
         </p:txBody>
       </p:sp>
     </p:spTree>
     <p:extLst>
       <p:ext uri="{BB962C8B-B14F-4D97-AF65-F5344CB8AC3E}">
-        <p14:creationId xmlns:p14="http://schemas.microsoft.com/office/powerpoint/2010/main" val="2528768499"/>
+        <p14:creationId xmlns:p14="http://schemas.microsoft.com/office/powerpoint/2010/main" val="934918267"/>
       </p:ext>
     </p:extLst>
   </p:cSld>
@@ -8251,21 +8287,22 @@
           <a:bodyPr/>
           <a:lstStyle/>
           <a:p>
-            <a:r>
-              <a:rPr lang="en-US" dirty="0"/>
-              <a:t>Require code review of every pull request</a:t>
-            </a:r>
-          </a:p>
-        </p:txBody>
-      </p:sp>
-      <p:sp>
-        <p:nvSpPr>
-          <p:cNvPr id="3" name="Content Placeholder 2"/>
-          <p:cNvSpPr>
-            <a:spLocks noGrp="1"/>
-          </p:cNvSpPr>
-          <p:nvPr>
-            <p:ph idx="1"/>
+            <a:pPr algn="ctr"/>
+            <a:r>
+              <a:rPr lang="en-US" dirty="0"/>
+              <a:t>User a Layered Process Towards Quality</a:t>
+            </a:r>
+          </a:p>
+        </p:txBody>
+      </p:sp>
+      <p:sp>
+        <p:nvSpPr>
+          <p:cNvPr id="3" name="Text Placeholder 2"/>
+          <p:cNvSpPr>
+            <a:spLocks noGrp="1"/>
+          </p:cNvSpPr>
+          <p:nvPr>
+            <p:ph type="body" idx="1"/>
           </p:nvPr>
         </p:nvSpPr>
         <p:spPr/>
@@ -8273,56 +8310,14 @@
           <a:bodyPr/>
           <a:lstStyle/>
           <a:p>
-            <a:r>
-              <a:rPr lang="en-US" dirty="0"/>
-              <a:t>Code reviews single best way to </a:t>
-            </a:r>
-            <a:r>
-              <a:rPr lang="en-US"/>
-              <a:t>improve quality</a:t>
-            </a:r>
-            <a:endParaRPr lang="en-US" dirty="0">
-              <a:solidFill>
-                <a:srgbClr val="FF0000"/>
-              </a:solidFill>
-            </a:endParaRPr>
-          </a:p>
-          <a:p>
-            <a:r>
-              <a:rPr lang="en-US" dirty="0"/>
-              <a:t>Reduces the stabilization cycle</a:t>
-            </a:r>
-          </a:p>
-          <a:p>
-            <a:r>
-              <a:rPr lang="en-US" dirty="0"/>
-              <a:t>Enables us to develop confidently</a:t>
-            </a:r>
-          </a:p>
-          <a:p>
-            <a:r>
-              <a:rPr lang="en-US" dirty="0"/>
-              <a:t>Provides mechanism for coaching and mentoring</a:t>
-            </a:r>
-          </a:p>
-          <a:p>
-            <a:r>
-              <a:rPr lang="en-US" dirty="0"/>
-              <a:t>Ensures the code is consistent with the software architecture/design</a:t>
-            </a:r>
-          </a:p>
-          <a:p>
-            <a:endParaRPr lang="en-US" dirty="0"/>
-          </a:p>
-          <a:p>
-            <a:endParaRPr lang="en-US" dirty="0"/>
+            <a:endParaRPr lang="en-US"/>
           </a:p>
         </p:txBody>
       </p:sp>
     </p:spTree>
     <p:extLst>
       <p:ext uri="{BB962C8B-B14F-4D97-AF65-F5344CB8AC3E}">
-        <p14:creationId xmlns:p14="http://schemas.microsoft.com/office/powerpoint/2010/main" val="934497017"/>
+        <p14:creationId xmlns:p14="http://schemas.microsoft.com/office/powerpoint/2010/main" val="2528768499"/>
       </p:ext>
     </p:extLst>
   </p:cSld>
@@ -8366,7 +8361,7 @@
           <a:p>
             <a:r>
               <a:rPr lang="en-US" dirty="0"/>
-              <a:t>Use continuous integration with tests</a:t>
+              <a:t>Require code review of every pull request</a:t>
             </a:r>
           </a:p>
         </p:txBody>
@@ -8388,31 +8383,46 @@
           <a:p>
             <a:r>
               <a:rPr lang="en-US" dirty="0"/>
-              <a:t>We want confidence that our systems work</a:t>
-            </a:r>
-          </a:p>
-          <a:p>
-            <a:r>
-              <a:rPr lang="en-US" dirty="0"/>
-              <a:t>We don’t want that dreaded support call</a:t>
-            </a:r>
-          </a:p>
-          <a:p>
-            <a:r>
-              <a:rPr lang="en-US" dirty="0"/>
-              <a:t>Enables us to sleep at night</a:t>
-            </a:r>
-          </a:p>
-          <a:p>
-            <a:r>
-              <a:rPr lang="en-US" dirty="0"/>
-              <a:t>Avoids “broken window” syndrome</a:t>
-            </a:r>
-          </a:p>
-          <a:p>
-            <a:pPr marL="0" indent="0">
-              <a:buNone/>
-            </a:pPr>
+              <a:t>Code reviews single best way to </a:t>
+            </a:r>
+            <a:r>
+              <a:rPr lang="en-US"/>
+              <a:t>improve quality</a:t>
+            </a:r>
+            <a:endParaRPr lang="en-US" dirty="0">
+              <a:solidFill>
+                <a:srgbClr val="FF0000"/>
+              </a:solidFill>
+            </a:endParaRPr>
+          </a:p>
+          <a:p>
+            <a:r>
+              <a:rPr lang="en-US" dirty="0"/>
+              <a:t>Reduces the stabilization cycle</a:t>
+            </a:r>
+          </a:p>
+          <a:p>
+            <a:r>
+              <a:rPr lang="en-US" dirty="0"/>
+              <a:t>Enables us to develop confidently</a:t>
+            </a:r>
+          </a:p>
+          <a:p>
+            <a:r>
+              <a:rPr lang="en-US" dirty="0"/>
+              <a:t>Provides mechanism for coaching and mentoring</a:t>
+            </a:r>
+          </a:p>
+          <a:p>
+            <a:r>
+              <a:rPr lang="en-US" dirty="0"/>
+              <a:t>Ensures the code is consistent with the software architecture/design</a:t>
+            </a:r>
+          </a:p>
+          <a:p>
+            <a:endParaRPr lang="en-US" dirty="0"/>
+          </a:p>
+          <a:p>
             <a:endParaRPr lang="en-US" dirty="0"/>
           </a:p>
         </p:txBody>
@@ -8420,7 +8430,7 @@
     </p:spTree>
     <p:extLst>
       <p:ext uri="{BB962C8B-B14F-4D97-AF65-F5344CB8AC3E}">
-        <p14:creationId xmlns:p14="http://schemas.microsoft.com/office/powerpoint/2010/main" val="639812051"/>
+        <p14:creationId xmlns:p14="http://schemas.microsoft.com/office/powerpoint/2010/main" val="934497017"/>
       </p:ext>
     </p:extLst>
   </p:cSld>
@@ -8449,7 +8459,7 @@
       </p:grpSpPr>
       <p:sp>
         <p:nvSpPr>
-          <p:cNvPr id="7" name="Title 6"/>
+          <p:cNvPr id="2" name="Title 1"/>
           <p:cNvSpPr>
             <a:spLocks noGrp="1"/>
           </p:cNvSpPr>
@@ -8464,14 +8474,14 @@
           <a:p>
             <a:r>
               <a:rPr lang="en-US" dirty="0"/>
-              <a:t>Require ability to do integration tests on the desktop</a:t>
-            </a:r>
-          </a:p>
-        </p:txBody>
-      </p:sp>
-      <p:sp>
-        <p:nvSpPr>
-          <p:cNvPr id="8" name="Content Placeholder 7"/>
+              <a:t>Use continuous integration with tests</a:t>
+            </a:r>
+          </a:p>
+        </p:txBody>
+      </p:sp>
+      <p:sp>
+        <p:nvSpPr>
+          <p:cNvPr id="3" name="Content Placeholder 2"/>
           <p:cNvSpPr>
             <a:spLocks noGrp="1"/>
           </p:cNvSpPr>
@@ -8486,49 +8496,39 @@
           <a:p>
             <a:r>
               <a:rPr lang="en-US" dirty="0"/>
-              <a:t>Enables a developer to build and run end-to-end tests and validation on their own machines</a:t>
-            </a:r>
-          </a:p>
-          <a:p>
-            <a:pPr lvl="1"/>
-            <a:r>
-              <a:rPr lang="en-US" dirty="0"/>
-              <a:t>Includes hosting of databases locally</a:t>
-            </a:r>
-          </a:p>
-          <a:p>
-            <a:pPr lvl="1"/>
-            <a:r>
-              <a:rPr lang="en-US" dirty="0"/>
-              <a:t>Avoids collisions with other developers</a:t>
-            </a:r>
-          </a:p>
-          <a:p>
-            <a:pPr lvl="1"/>
-            <a:r>
-              <a:rPr lang="en-US" dirty="0"/>
-              <a:t>Enables development in isolation</a:t>
-            </a:r>
-          </a:p>
-          <a:p>
-            <a:r>
-              <a:rPr lang="en-US" dirty="0"/>
-              <a:t>Ability to do this must be a conscious design all along the way</a:t>
-            </a:r>
-          </a:p>
-          <a:p>
-            <a:pPr lvl="1"/>
-            <a:r>
-              <a:rPr lang="en-US" dirty="0"/>
-              <a:t>Your system design choices can enable or prevent this</a:t>
-            </a:r>
+              <a:t>We want confidence that our systems work</a:t>
+            </a:r>
+          </a:p>
+          <a:p>
+            <a:r>
+              <a:rPr lang="en-US" dirty="0"/>
+              <a:t>We don’t want that dreaded support call</a:t>
+            </a:r>
+          </a:p>
+          <a:p>
+            <a:r>
+              <a:rPr lang="en-US" dirty="0"/>
+              <a:t>Enables us to sleep at night</a:t>
+            </a:r>
+          </a:p>
+          <a:p>
+            <a:r>
+              <a:rPr lang="en-US" dirty="0"/>
+              <a:t>Avoids “broken window” syndrome</a:t>
+            </a:r>
+          </a:p>
+          <a:p>
+            <a:pPr marL="0" indent="0">
+              <a:buNone/>
+            </a:pPr>
+            <a:endParaRPr lang="en-US" dirty="0"/>
           </a:p>
         </p:txBody>
       </p:sp>
     </p:spTree>
     <p:extLst>
       <p:ext uri="{BB962C8B-B14F-4D97-AF65-F5344CB8AC3E}">
-        <p14:creationId xmlns:p14="http://schemas.microsoft.com/office/powerpoint/2010/main" val="934918267"/>
+        <p14:creationId xmlns:p14="http://schemas.microsoft.com/office/powerpoint/2010/main" val="639812051"/>
       </p:ext>
     </p:extLst>
   </p:cSld>
@@ -11091,6 +11091,12 @@
 </file>
 
 <file path=customXml/item1.xml><?xml version="1.0" encoding="utf-8"?>
+<p:properties xmlns:p="http://schemas.microsoft.com/office/2006/metadata/properties" xmlns:xsi="http://www.w3.org/2001/XMLSchema-instance" xmlns:pc="http://schemas.microsoft.com/office/infopath/2007/PartnerControls">
+  <documentManagement/>
+</p:properties>
+</file>
+
+<file path=customXml/item2.xml><?xml version="1.0" encoding="utf-8"?>
 <ct:contentTypeSchema xmlns:ct="http://schemas.microsoft.com/office/2006/metadata/contentType" xmlns:ma="http://schemas.microsoft.com/office/2006/metadata/properties/metaAttributes" ct:_="" ma:_="" ma:contentTypeName="Document" ma:contentTypeID="0x010100F803B72E3447A349A65C6C0D016EA6C6" ma:contentTypeVersion="3" ma:contentTypeDescription="Create a new document." ma:contentTypeScope="" ma:versionID="764f781f790dd3c28a0a3d6816e0bc2d">
   <xsd:schema xmlns:xsd="http://www.w3.org/2001/XMLSchema" xmlns:xs="http://www.w3.org/2001/XMLSchema" xmlns:p="http://schemas.microsoft.com/office/2006/metadata/properties" xmlns:ns2="660de10a-583e-488b-94d8-146e8450a4be" targetNamespace="http://schemas.microsoft.com/office/2006/metadata/properties" ma:root="true" ma:fieldsID="ec737a7676109fa09b703ce68a9d9405" ns2:_="">
     <xsd:import namespace="660de10a-583e-488b-94d8-146e8450a4be"/>
@@ -11244,12 +11250,6 @@
 </ct:contentTypeSchema>
 </file>
 
-<file path=customXml/item2.xml><?xml version="1.0" encoding="utf-8"?>
-<p:properties xmlns:p="http://schemas.microsoft.com/office/2006/metadata/properties" xmlns:xsi="http://www.w3.org/2001/XMLSchema-instance" xmlns:pc="http://schemas.microsoft.com/office/infopath/2007/PartnerControls">
-  <documentManagement/>
-</p:properties>
-</file>
-
 <file path=customXml/item3.xml><?xml version="1.0" encoding="utf-8"?>
 <?mso-contentType ?>
 <FormTemplates xmlns="http://schemas.microsoft.com/sharepoint/v3/contenttype/forms">
@@ -11260,6 +11260,22 @@
 </file>
 
 <file path=customXml/itemProps1.xml><?xml version="1.0" encoding="utf-8"?>
+<ds:datastoreItem xmlns:ds="http://schemas.openxmlformats.org/officeDocument/2006/customXml" ds:itemID="{0079E5E6-7EC0-4C05-9A6C-40708E9789AD}">
+  <ds:schemaRefs>
+    <ds:schemaRef ds:uri="http://purl.org/dc/terms/"/>
+    <ds:schemaRef ds:uri="http://schemas.openxmlformats.org/package/2006/metadata/core-properties"/>
+    <ds:schemaRef ds:uri="http://purl.org/dc/dcmitype/"/>
+    <ds:schemaRef ds:uri="http://schemas.microsoft.com/office/infopath/2007/PartnerControls"/>
+    <ds:schemaRef ds:uri="http://schemas.microsoft.com/office/2006/documentManagement/types"/>
+    <ds:schemaRef ds:uri="http://schemas.microsoft.com/office/2006/metadata/properties"/>
+    <ds:schemaRef ds:uri="660de10a-583e-488b-94d8-146e8450a4be"/>
+    <ds:schemaRef ds:uri="http://www.w3.org/XML/1998/namespace"/>
+    <ds:schemaRef ds:uri="http://purl.org/dc/elements/1.1/"/>
+  </ds:schemaRefs>
+</ds:datastoreItem>
+</file>
+
+<file path=customXml/itemProps2.xml><?xml version="1.0" encoding="utf-8"?>
 <ds:datastoreItem xmlns:ds="http://schemas.openxmlformats.org/officeDocument/2006/customXml" ds:itemID="{935CB3AF-F6AA-4AC2-A54C-E0389259C329}">
   <ds:schemaRefs>
     <ds:schemaRef ds:uri="http://schemas.microsoft.com/office/2006/metadata/contentType"/>
@@ -11277,22 +11293,6 @@
 </ds:datastoreItem>
 </file>
 
-<file path=customXml/itemProps2.xml><?xml version="1.0" encoding="utf-8"?>
-<ds:datastoreItem xmlns:ds="http://schemas.openxmlformats.org/officeDocument/2006/customXml" ds:itemID="{0079E5E6-7EC0-4C05-9A6C-40708E9789AD}">
-  <ds:schemaRefs>
-    <ds:schemaRef ds:uri="http://purl.org/dc/terms/"/>
-    <ds:schemaRef ds:uri="http://schemas.openxmlformats.org/package/2006/metadata/core-properties"/>
-    <ds:schemaRef ds:uri="http://purl.org/dc/dcmitype/"/>
-    <ds:schemaRef ds:uri="http://schemas.microsoft.com/office/infopath/2007/PartnerControls"/>
-    <ds:schemaRef ds:uri="http://schemas.microsoft.com/office/2006/documentManagement/types"/>
-    <ds:schemaRef ds:uri="http://schemas.microsoft.com/office/2006/metadata/properties"/>
-    <ds:schemaRef ds:uri="660de10a-583e-488b-94d8-146e8450a4be"/>
-    <ds:schemaRef ds:uri="http://www.w3.org/XML/1998/namespace"/>
-    <ds:schemaRef ds:uri="http://purl.org/dc/elements/1.1/"/>
-  </ds:schemaRefs>
-</ds:datastoreItem>
-</file>
-
 <file path=customXml/itemProps3.xml><?xml version="1.0" encoding="utf-8"?>
 <ds:datastoreItem xmlns:ds="http://schemas.openxmlformats.org/officeDocument/2006/customXml" ds:itemID="{FE716DE3-6CAC-41A9-853E-E2FECE09DE70}">
   <ds:schemaRefs>
